--- a/Team13_MAW.pptx
+++ b/Team13_MAW.pptx
@@ -3899,6 +3899,8 @@
                 <a:solidFill>
                   <a:schemeClr val="bg1"/>
                 </a:solidFill>
+                <a:latin typeface="Andalus" pitchFamily="18" charset="-78"/>
+                <a:cs typeface="Andalus" pitchFamily="18" charset="-78"/>
               </a:rPr>
               <a:t>MAKE  A WISH</a:t>
             </a:r>
@@ -3922,26 +3924,36 @@
         </p:nvSpPr>
         <p:spPr>
           <a:xfrm>
-            <a:off x="2133600" y="2743200"/>
-            <a:ext cx="6560234" cy="3200400"/>
+            <a:off x="1143000" y="2743200"/>
+            <a:ext cx="7550834" cy="3810000"/>
           </a:xfrm>
         </p:spPr>
         <p:txBody>
           <a:bodyPr>
-            <a:normAutofit lnSpcReduction="10000"/>
+            <a:normAutofit/>
           </a:bodyPr>
           <a:lstStyle/>
           <a:p>
             <a:r>
               <a:rPr lang="en-IN" dirty="0" smtClean="0"/>
-              <a:t>					</a:t>
+              <a:t>				</a:t>
+            </a:r>
+            <a:r>
+              <a:rPr lang="en-IN" b="1" dirty="0" smtClean="0">
+                <a:solidFill>
+                  <a:schemeClr val="bg1"/>
+                </a:solidFill>
+              </a:rPr>
+              <a:t>Team 13-Analyzers</a:t>
             </a:r>
             <a:r>
               <a:rPr lang="en-IN" b="1" dirty="0" smtClean="0"/>
-              <a:t>Team 13- </a:t>
-            </a:r>
-          </a:p>
-          <a:p>
+              <a:t> </a:t>
+            </a:r>
+            <a:endParaRPr lang="en-IN" b="1" dirty="0" smtClean="0"/>
+          </a:p>
+          <a:p>
+            <a:pPr algn="l"/>
             <a:r>
               <a:rPr lang="en-IN" b="1" dirty="0" err="1" smtClean="0"/>
               <a:t>Shreekara</a:t>
@@ -3952,15 +3964,12 @@
             </a:r>
             <a:r>
               <a:rPr lang="en-IN" b="1" dirty="0" err="1" smtClean="0"/>
-              <a:t>U</a:t>
-            </a:r>
-            <a:r>
-              <a:rPr lang="en-IN" b="1" dirty="0" err="1" smtClean="0"/>
-              <a:t>dupa</a:t>
+              <a:t>Udupa</a:t>
             </a:r>
             <a:endParaRPr lang="en-IN" b="1" dirty="0" smtClean="0"/>
           </a:p>
           <a:p>
+            <a:pPr algn="l"/>
             <a:r>
               <a:rPr lang="en-IN" b="1" dirty="0" err="1" smtClean="0"/>
               <a:t>Amol</a:t>
@@ -3976,16 +3985,22 @@
             <a:endParaRPr lang="en-IN" b="1" dirty="0" smtClean="0"/>
           </a:p>
           <a:p>
+            <a:pPr algn="l"/>
             <a:r>
               <a:rPr lang="en-IN" b="1" dirty="0" err="1" smtClean="0"/>
               <a:t>Aashtha</a:t>
             </a:r>
             <a:r>
               <a:rPr lang="en-IN" b="1" dirty="0" smtClean="0"/>
-              <a:t> Joshi </a:t>
-            </a:r>
-          </a:p>
-          <a:p>
+              <a:t> </a:t>
+            </a:r>
+            <a:r>
+              <a:rPr lang="en-IN" b="1" dirty="0" smtClean="0"/>
+              <a:t>Joshi </a:t>
+            </a:r>
+          </a:p>
+          <a:p>
+            <a:pPr algn="l"/>
             <a:r>
               <a:rPr lang="en-IN" b="1" dirty="0" smtClean="0"/>
               <a:t>Dennis </a:t>
@@ -4000,6 +4015,7 @@
             </a:r>
           </a:p>
           <a:p>
+            <a:pPr algn="l"/>
             <a:r>
               <a:rPr lang="en-IN" b="1" dirty="0" err="1" smtClean="0"/>
               <a:t>Unma</a:t>
@@ -4010,6 +4026,7 @@
             </a:r>
           </a:p>
           <a:p>
+            <a:pPr algn="l"/>
             <a:r>
               <a:rPr lang="en-IN" b="1" dirty="0" err="1" smtClean="0"/>
               <a:t>Akshayanand</a:t>
